--- a/slides/template.pptx
+++ b/slides/template.pptx
@@ -3503,13 +3503,32 @@
           <a:p>
             <a:r>
               <a:rPr lang="en-US" dirty="0"/>
-              <a:t>About the </a:t>
-            </a:r>
-            <a:r>
-              <a:rPr lang="en-US" dirty="0" err="1"/>
-              <a:t>GraphLMS</a:t>
-            </a:r>
-            <a:endParaRPr lang="en-US" dirty="0"/>
+              <a:t>About GraphLMS</a:t>
+            </a:r>
+          </a:p>
+          <a:p>
+            <a:r>
+              <a:rPr lang="en-US" dirty="0"/>
+              <a:t>Core Concepts</a:t>
+            </a:r>
+          </a:p>
+          <a:p>
+            <a:r>
+              <a:rPr lang="en-US" dirty="0"/>
+              <a:t>Architecture</a:t>
+            </a:r>
+          </a:p>
+          <a:p>
+            <a:r>
+              <a:rPr lang="en-US" dirty="0"/>
+              <a:t>Hardware</a:t>
+            </a:r>
+          </a:p>
+          <a:p>
+            <a:r>
+              <a:rPr lang="en-US" dirty="0"/>
+              <a:t>Software</a:t>
+            </a:r>
           </a:p>
         </p:txBody>
       </p:sp>
